--- a/docs/slides.pptx
+++ b/docs/slides.pptx
@@ -5,7 +5,7 @@
     <p:sldMasterId id="2147483648" r:id="rId1"/>
   </p:sldMasterIdLst>
   <p:notesMasterIdLst>
-    <p:notesMasterId r:id="rId9"/>
+    <p:notesMasterId r:id="rId10"/>
   </p:notesMasterIdLst>
   <p:sldIdLst>
     <p:sldId id="256" r:id="rId2"/>
@@ -14,7 +14,8 @@
     <p:sldId id="262" r:id="rId5"/>
     <p:sldId id="260" r:id="rId6"/>
     <p:sldId id="259" r:id="rId7"/>
-    <p:sldId id="263" r:id="rId8"/>
+    <p:sldId id="264" r:id="rId8"/>
+    <p:sldId id="263" r:id="rId9"/>
   </p:sldIdLst>
   <p:sldSz cx="12192000" cy="6858000"/>
   <p:notesSz cx="6858000" cy="9144000"/>
@@ -1143,6 +1144,90 @@
             <a:fld id="{00079BA3-EC61-3846-BC72-9BC286BD94C1}" type="slidenum">
               <a:rPr lang="es-ES_tradnl" smtClean="0"/>
               <a:t>7</a:t>
+            </a:fld>
+            <a:endParaRPr lang="es-ES_tradnl"/>
+          </a:p>
+        </p:txBody>
+      </p:sp>
+    </p:spTree>
+    <p:extLst>
+      <p:ext uri="{BB962C8B-B14F-4D97-AF65-F5344CB8AC3E}">
+        <p14:creationId xmlns:p14="http://schemas.microsoft.com/office/powerpoint/2010/main" val="1710468571"/>
+      </p:ext>
+    </p:extLst>
+  </p:cSld>
+  <p:clrMapOvr>
+    <a:masterClrMapping/>
+  </p:clrMapOvr>
+</p:notes>
+</file>
+
+<file path=ppt/notesSlides/notesSlide5.xml><?xml version="1.0" encoding="utf-8"?>
+<p:notes xmlns:a="http://schemas.openxmlformats.org/drawingml/2006/main" xmlns:r="http://schemas.openxmlformats.org/officeDocument/2006/relationships" xmlns:p="http://schemas.openxmlformats.org/presentationml/2006/main">
+  <p:cSld>
+    <p:spTree>
+      <p:nvGrpSpPr>
+        <p:cNvPr id="1" name=""/>
+        <p:cNvGrpSpPr/>
+        <p:nvPr/>
+      </p:nvGrpSpPr>
+      <p:grpSpPr>
+        <a:xfrm>
+          <a:off x="0" y="0"/>
+          <a:ext cx="0" cy="0"/>
+          <a:chOff x="0" y="0"/>
+          <a:chExt cx="0" cy="0"/>
+        </a:xfrm>
+      </p:grpSpPr>
+      <p:sp>
+        <p:nvSpPr>
+          <p:cNvPr id="2" name="Marcador de imagen de diapositiva 1"/>
+          <p:cNvSpPr>
+            <a:spLocks noGrp="1" noRot="1" noChangeAspect="1"/>
+          </p:cNvSpPr>
+          <p:nvPr>
+            <p:ph type="sldImg"/>
+          </p:nvPr>
+        </p:nvSpPr>
+        <p:spPr/>
+      </p:sp>
+      <p:sp>
+        <p:nvSpPr>
+          <p:cNvPr id="3" name="Marcador de notas 2"/>
+          <p:cNvSpPr>
+            <a:spLocks noGrp="1"/>
+          </p:cNvSpPr>
+          <p:nvPr>
+            <p:ph type="body" idx="1"/>
+          </p:nvPr>
+        </p:nvSpPr>
+        <p:spPr/>
+        <p:txBody>
+          <a:bodyPr/>
+          <a:lstStyle/>
+          <a:p>
+            <a:endParaRPr lang="es-ES_tradnl" dirty="0"/>
+          </a:p>
+        </p:txBody>
+      </p:sp>
+      <p:sp>
+        <p:nvSpPr>
+          <p:cNvPr id="4" name="Marcador de número de diapositiva 3"/>
+          <p:cNvSpPr>
+            <a:spLocks noGrp="1"/>
+          </p:cNvSpPr>
+          <p:nvPr>
+            <p:ph type="sldNum" sz="quarter" idx="10"/>
+          </p:nvPr>
+        </p:nvSpPr>
+        <p:spPr/>
+        <p:txBody>
+          <a:bodyPr/>
+          <a:lstStyle/>
+          <a:p>
+            <a:fld id="{00079BA3-EC61-3846-BC72-9BC286BD94C1}" type="slidenum">
+              <a:rPr lang="es-ES_tradnl" smtClean="0"/>
+              <a:t>8</a:t>
             </a:fld>
             <a:endParaRPr lang="es-ES_tradnl"/>
           </a:p>
@@ -9184,6 +9269,376 @@
 </file>
 
 <file path=ppt/slides/slide7.xml><?xml version="1.0" encoding="utf-8"?>
+<p:sld xmlns:a="http://schemas.openxmlformats.org/drawingml/2006/main" xmlns:r="http://schemas.openxmlformats.org/officeDocument/2006/relationships" xmlns:p="http://schemas.openxmlformats.org/presentationml/2006/main">
+  <p:cSld>
+    <p:bg>
+      <p:bgPr>
+        <a:blipFill dpi="0" rotWithShape="1">
+          <a:blip r:embed="rId3">
+            <a:lum/>
+          </a:blip>
+          <a:srcRect/>
+          <a:stretch>
+            <a:fillRect t="-11000" b="-11000"/>
+          </a:stretch>
+        </a:blipFill>
+        <a:effectLst/>
+      </p:bgPr>
+    </p:bg>
+    <p:spTree>
+      <p:nvGrpSpPr>
+        <p:cNvPr id="1" name=""/>
+        <p:cNvGrpSpPr/>
+        <p:nvPr/>
+      </p:nvGrpSpPr>
+      <p:grpSpPr>
+        <a:xfrm>
+          <a:off x="0" y="0"/>
+          <a:ext cx="0" cy="0"/>
+          <a:chOff x="0" y="0"/>
+          <a:chExt cx="0" cy="0"/>
+        </a:xfrm>
+      </p:grpSpPr>
+      <p:sp>
+        <p:nvSpPr>
+          <p:cNvPr id="8" name="Rectángulo 7"/>
+          <p:cNvSpPr/>
+          <p:nvPr/>
+        </p:nvSpPr>
+        <p:spPr>
+          <a:xfrm>
+            <a:off x="0" y="0"/>
+            <a:ext cx="12192000" cy="6858000"/>
+          </a:xfrm>
+          <a:prstGeom prst="rect">
+            <a:avLst/>
+          </a:prstGeom>
+          <a:solidFill>
+            <a:schemeClr val="tx1">
+              <a:alpha val="65000"/>
+            </a:schemeClr>
+          </a:solidFill>
+          <a:ln>
+            <a:noFill/>
+          </a:ln>
+        </p:spPr>
+        <p:style>
+          <a:lnRef idx="2">
+            <a:schemeClr val="accent1">
+              <a:shade val="50000"/>
+            </a:schemeClr>
+          </a:lnRef>
+          <a:fillRef idx="1">
+            <a:schemeClr val="accent1"/>
+          </a:fillRef>
+          <a:effectRef idx="0">
+            <a:schemeClr val="accent1"/>
+          </a:effectRef>
+          <a:fontRef idx="minor">
+            <a:schemeClr val="lt1"/>
+          </a:fontRef>
+        </p:style>
+        <p:txBody>
+          <a:bodyPr rtlCol="0" anchor="ctr"/>
+          <a:lstStyle/>
+          <a:p>
+            <a:pPr algn="ctr"/>
+            <a:endParaRPr lang="es-ES_tradnl" dirty="0"/>
+          </a:p>
+        </p:txBody>
+      </p:sp>
+      <p:pic>
+        <p:nvPicPr>
+          <p:cNvPr id="22" name="Imagen 21"/>
+          <p:cNvPicPr>
+            <a:picLocks noChangeAspect="1"/>
+          </p:cNvPicPr>
+          <p:nvPr/>
+        </p:nvPicPr>
+        <p:blipFill>
+          <a:blip r:embed="rId4">
+            <a:extLst>
+              <a:ext uri="{28A0092B-C50C-407E-A947-70E740481C1C}">
+                <a14:useLocalDpi xmlns:a14="http://schemas.microsoft.com/office/drawing/2010/main" val="0"/>
+              </a:ext>
+            </a:extLst>
+          </a:blip>
+          <a:stretch>
+            <a:fillRect/>
+          </a:stretch>
+        </p:blipFill>
+        <p:spPr>
+          <a:xfrm>
+            <a:off x="10849767" y="6141804"/>
+            <a:ext cx="1164020" cy="557334"/>
+          </a:xfrm>
+          <a:prstGeom prst="rect">
+            <a:avLst/>
+          </a:prstGeom>
+        </p:spPr>
+      </p:pic>
+      <p:pic>
+        <p:nvPicPr>
+          <p:cNvPr id="23" name="Imagen 22"/>
+          <p:cNvPicPr>
+            <a:picLocks noChangeAspect="1"/>
+          </p:cNvPicPr>
+          <p:nvPr/>
+        </p:nvPicPr>
+        <p:blipFill>
+          <a:blip r:embed="rId5"/>
+          <a:stretch>
+            <a:fillRect/>
+          </a:stretch>
+        </p:blipFill>
+        <p:spPr>
+          <a:xfrm>
+            <a:off x="2107580" y="6586477"/>
+            <a:ext cx="206073" cy="206073"/>
+          </a:xfrm>
+          <a:prstGeom prst="rect">
+            <a:avLst/>
+          </a:prstGeom>
+        </p:spPr>
+      </p:pic>
+      <p:sp>
+        <p:nvSpPr>
+          <p:cNvPr id="24" name="CuadroTexto 23"/>
+          <p:cNvSpPr txBox="1"/>
+          <p:nvPr/>
+        </p:nvSpPr>
+        <p:spPr>
+          <a:xfrm>
+            <a:off x="0" y="6550152"/>
+            <a:ext cx="2107580" cy="276999"/>
+          </a:xfrm>
+          <a:prstGeom prst="rect">
+            <a:avLst/>
+          </a:prstGeom>
+          <a:noFill/>
+        </p:spPr>
+        <p:txBody>
+          <a:bodyPr wrap="square" rtlCol="0">
+            <a:spAutoFit/>
+          </a:bodyPr>
+          <a:lstStyle/>
+          <a:p>
+            <a:r>
+              <a:rPr lang="es-ES_tradnl" sz="1200" dirty="0" smtClean="0">
+                <a:solidFill>
+                  <a:schemeClr val="bg1"/>
+                </a:solidFill>
+                <a:latin typeface="Open Sans Light" charset="0"/>
+                <a:ea typeface="Open Sans Light" charset="0"/>
+                <a:cs typeface="Open Sans Light" charset="0"/>
+              </a:rPr>
+              <a:t>INTRODUCTION TO </a:t>
+            </a:r>
+            <a:r>
+              <a:rPr lang="es-ES_tradnl" sz="1200" b="1" dirty="0" smtClean="0">
+                <a:solidFill>
+                  <a:schemeClr val="bg1"/>
+                </a:solidFill>
+                <a:latin typeface="Open Sans" charset="0"/>
+                <a:ea typeface="Open Sans" charset="0"/>
+                <a:cs typeface="Open Sans" charset="0"/>
+              </a:rPr>
+              <a:t>NEST.JS</a:t>
+            </a:r>
+            <a:endParaRPr lang="es-ES_tradnl" sz="1200" b="1" dirty="0">
+              <a:solidFill>
+                <a:schemeClr val="bg1"/>
+              </a:solidFill>
+              <a:latin typeface="Open Sans" charset="0"/>
+              <a:ea typeface="Open Sans" charset="0"/>
+              <a:cs typeface="Open Sans" charset="0"/>
+            </a:endParaRPr>
+          </a:p>
+        </p:txBody>
+      </p:sp>
+      <p:sp>
+        <p:nvSpPr>
+          <p:cNvPr id="4" name="Rectángulo 3"/>
+          <p:cNvSpPr/>
+          <p:nvPr/>
+        </p:nvSpPr>
+        <p:spPr>
+          <a:xfrm>
+            <a:off x="0" y="676866"/>
+            <a:ext cx="12192000" cy="1122794"/>
+          </a:xfrm>
+          <a:prstGeom prst="rect">
+            <a:avLst/>
+          </a:prstGeom>
+          <a:solidFill>
+            <a:srgbClr val="C00000">
+              <a:alpha val="14000"/>
+            </a:srgbClr>
+          </a:solidFill>
+          <a:ln>
+            <a:noFill/>
+          </a:ln>
+        </p:spPr>
+        <p:style>
+          <a:lnRef idx="2">
+            <a:schemeClr val="accent1">
+              <a:shade val="50000"/>
+            </a:schemeClr>
+          </a:lnRef>
+          <a:fillRef idx="1">
+            <a:schemeClr val="accent1"/>
+          </a:fillRef>
+          <a:effectRef idx="0">
+            <a:schemeClr val="accent1"/>
+          </a:effectRef>
+          <a:fontRef idx="minor">
+            <a:schemeClr val="lt1"/>
+          </a:fontRef>
+        </p:style>
+        <p:txBody>
+          <a:bodyPr rtlCol="0" anchor="ctr"/>
+          <a:lstStyle/>
+          <a:p>
+            <a:pPr algn="ctr"/>
+            <a:endParaRPr lang="es-ES_tradnl"/>
+          </a:p>
+        </p:txBody>
+      </p:sp>
+      <p:sp>
+        <p:nvSpPr>
+          <p:cNvPr id="14" name="CuadroTexto 13"/>
+          <p:cNvSpPr txBox="1"/>
+          <p:nvPr/>
+        </p:nvSpPr>
+        <p:spPr>
+          <a:xfrm>
+            <a:off x="1053790" y="913758"/>
+            <a:ext cx="6032810" cy="646331"/>
+          </a:xfrm>
+          <a:prstGeom prst="rect">
+            <a:avLst/>
+          </a:prstGeom>
+          <a:noFill/>
+        </p:spPr>
+        <p:txBody>
+          <a:bodyPr wrap="square" rtlCol="0">
+            <a:spAutoFit/>
+          </a:bodyPr>
+          <a:lstStyle/>
+          <a:p>
+            <a:r>
+              <a:rPr lang="es-ES_tradnl" sz="3600" dirty="0" smtClean="0">
+                <a:solidFill>
+                  <a:schemeClr val="bg1"/>
+                </a:solidFill>
+                <a:latin typeface="Open Sans Light" charset="0"/>
+                <a:ea typeface="Open Sans Light" charset="0"/>
+                <a:cs typeface="Open Sans Light" charset="0"/>
+              </a:rPr>
+              <a:t>DOCUMENTATION</a:t>
+            </a:r>
+            <a:endParaRPr lang="es-ES_tradnl" sz="3600" dirty="0">
+              <a:solidFill>
+                <a:schemeClr val="bg1"/>
+              </a:solidFill>
+              <a:latin typeface="Open Sans Light" charset="0"/>
+              <a:ea typeface="Open Sans Light" charset="0"/>
+              <a:cs typeface="Open Sans Light" charset="0"/>
+            </a:endParaRPr>
+          </a:p>
+        </p:txBody>
+      </p:sp>
+      <p:sp>
+        <p:nvSpPr>
+          <p:cNvPr id="9" name="CuadroTexto 8"/>
+          <p:cNvSpPr txBox="1"/>
+          <p:nvPr/>
+        </p:nvSpPr>
+        <p:spPr>
+          <a:xfrm>
+            <a:off x="1053790" y="2606206"/>
+            <a:ext cx="6032810" cy="1200329"/>
+          </a:xfrm>
+          <a:prstGeom prst="rect">
+            <a:avLst/>
+          </a:prstGeom>
+          <a:noFill/>
+        </p:spPr>
+        <p:txBody>
+          <a:bodyPr wrap="square" rtlCol="0">
+            <a:spAutoFit/>
+          </a:bodyPr>
+          <a:lstStyle/>
+          <a:p>
+            <a:r>
+              <a:rPr lang="es-ES_tradnl" sz="3600" dirty="0" smtClean="0">
+                <a:solidFill>
+                  <a:schemeClr val="bg1"/>
+                </a:solidFill>
+                <a:latin typeface="Open Sans Light" charset="0"/>
+                <a:ea typeface="Open Sans Light" charset="0"/>
+                <a:cs typeface="Open Sans Light" charset="0"/>
+              </a:rPr>
+              <a:t>NEST.JS OFFICIAL DOCS</a:t>
+            </a:r>
+          </a:p>
+          <a:p>
+            <a:r>
+              <a:rPr lang="es-ES_tradnl" sz="3600" dirty="0">
+                <a:solidFill>
+                  <a:srgbClr val="C00000"/>
+                </a:solidFill>
+                <a:latin typeface="Open Sans Light" charset="0"/>
+                <a:ea typeface="Open Sans Light" charset="0"/>
+                <a:cs typeface="Open Sans Light" charset="0"/>
+                <a:hlinkClick r:id="rId6"/>
+              </a:rPr>
+              <a:t>https://</a:t>
+            </a:r>
+            <a:r>
+              <a:rPr lang="es-ES_tradnl" sz="3600" dirty="0" smtClean="0">
+                <a:solidFill>
+                  <a:srgbClr val="C00000"/>
+                </a:solidFill>
+                <a:latin typeface="Open Sans Light" charset="0"/>
+                <a:ea typeface="Open Sans Light" charset="0"/>
+                <a:cs typeface="Open Sans Light" charset="0"/>
+                <a:hlinkClick r:id="rId6"/>
+              </a:rPr>
+              <a:t>docs.nestjs.com</a:t>
+            </a:r>
+            <a:endParaRPr lang="es-ES_tradnl" sz="3600" dirty="0" smtClean="0">
+              <a:solidFill>
+                <a:srgbClr val="C00000"/>
+              </a:solidFill>
+              <a:latin typeface="Open Sans Light" charset="0"/>
+              <a:ea typeface="Open Sans Light" charset="0"/>
+              <a:cs typeface="Open Sans Light" charset="0"/>
+            </a:endParaRPr>
+          </a:p>
+        </p:txBody>
+      </p:sp>
+    </p:spTree>
+    <p:extLst>
+      <p:ext uri="{BB962C8B-B14F-4D97-AF65-F5344CB8AC3E}">
+        <p14:creationId xmlns:p14="http://schemas.microsoft.com/office/powerpoint/2010/main" val="1415956254"/>
+      </p:ext>
+    </p:extLst>
+  </p:cSld>
+  <p:clrMapOvr>
+    <a:masterClrMapping/>
+  </p:clrMapOvr>
+  <p:timing>
+    <p:tnLst>
+      <p:par>
+        <p:cTn id="1" dur="indefinite" restart="never" nodeType="tmRoot"/>
+      </p:par>
+    </p:tnLst>
+  </p:timing>
+</p:sld>
+</file>
+
+<file path=ppt/slides/slide8.xml><?xml version="1.0" encoding="utf-8"?>
 <p:sld xmlns:a="http://schemas.openxmlformats.org/drawingml/2006/main" xmlns:r="http://schemas.openxmlformats.org/officeDocument/2006/relationships" xmlns:p="http://schemas.openxmlformats.org/presentationml/2006/main">
   <p:cSld>
     <p:bg>
